--- a/axi_dma/state diagram_yet.pptx
+++ b/axi_dma/state diagram_yet.pptx
@@ -6,8 +6,9 @@
   </p:sldMasterIdLst>
   <p:sldIdLst>
     <p:sldId id="260" r:id="rId2"/>
-    <p:sldId id="264" r:id="rId3"/>
-    <p:sldId id="261" r:id="rId4"/>
+    <p:sldId id="265" r:id="rId3"/>
+    <p:sldId id="266" r:id="rId4"/>
+    <p:sldId id="264" r:id="rId5"/>
   </p:sldIdLst>
   <p:sldSz cx="12192000" cy="6858000"/>
   <p:notesSz cx="6858000" cy="9144000"/>
@@ -261,7 +262,7 @@
           <a:p>
             <a:fld id="{69BF715A-E05A-4D3C-A28B-CF7D8713C29D}" type="datetimeFigureOut">
               <a:rPr lang="ko-KR" altLang="en-US" smtClean="0"/>
-              <a:t>2022-09-04</a:t>
+              <a:t>2022-09-18</a:t>
             </a:fld>
             <a:endParaRPr lang="ko-KR" altLang="en-US"/>
           </a:p>
@@ -459,7 +460,7 @@
           <a:p>
             <a:fld id="{69BF715A-E05A-4D3C-A28B-CF7D8713C29D}" type="datetimeFigureOut">
               <a:rPr lang="ko-KR" altLang="en-US" smtClean="0"/>
-              <a:t>2022-09-04</a:t>
+              <a:t>2022-09-18</a:t>
             </a:fld>
             <a:endParaRPr lang="ko-KR" altLang="en-US"/>
           </a:p>
@@ -667,7 +668,7 @@
           <a:p>
             <a:fld id="{69BF715A-E05A-4D3C-A28B-CF7D8713C29D}" type="datetimeFigureOut">
               <a:rPr lang="ko-KR" altLang="en-US" smtClean="0"/>
-              <a:t>2022-09-04</a:t>
+              <a:t>2022-09-18</a:t>
             </a:fld>
             <a:endParaRPr lang="ko-KR" altLang="en-US"/>
           </a:p>
@@ -865,7 +866,7 @@
           <a:p>
             <a:fld id="{69BF715A-E05A-4D3C-A28B-CF7D8713C29D}" type="datetimeFigureOut">
               <a:rPr lang="ko-KR" altLang="en-US" smtClean="0"/>
-              <a:t>2022-09-04</a:t>
+              <a:t>2022-09-18</a:t>
             </a:fld>
             <a:endParaRPr lang="ko-KR" altLang="en-US"/>
           </a:p>
@@ -1140,7 +1141,7 @@
           <a:p>
             <a:fld id="{69BF715A-E05A-4D3C-A28B-CF7D8713C29D}" type="datetimeFigureOut">
               <a:rPr lang="ko-KR" altLang="en-US" smtClean="0"/>
-              <a:t>2022-09-04</a:t>
+              <a:t>2022-09-18</a:t>
             </a:fld>
             <a:endParaRPr lang="ko-KR" altLang="en-US"/>
           </a:p>
@@ -1405,7 +1406,7 @@
           <a:p>
             <a:fld id="{69BF715A-E05A-4D3C-A28B-CF7D8713C29D}" type="datetimeFigureOut">
               <a:rPr lang="ko-KR" altLang="en-US" smtClean="0"/>
-              <a:t>2022-09-04</a:t>
+              <a:t>2022-09-18</a:t>
             </a:fld>
             <a:endParaRPr lang="ko-KR" altLang="en-US"/>
           </a:p>
@@ -1817,7 +1818,7 @@
           <a:p>
             <a:fld id="{69BF715A-E05A-4D3C-A28B-CF7D8713C29D}" type="datetimeFigureOut">
               <a:rPr lang="ko-KR" altLang="en-US" smtClean="0"/>
-              <a:t>2022-09-04</a:t>
+              <a:t>2022-09-18</a:t>
             </a:fld>
             <a:endParaRPr lang="ko-KR" altLang="en-US"/>
           </a:p>
@@ -1958,7 +1959,7 @@
           <a:p>
             <a:fld id="{69BF715A-E05A-4D3C-A28B-CF7D8713C29D}" type="datetimeFigureOut">
               <a:rPr lang="ko-KR" altLang="en-US" smtClean="0"/>
-              <a:t>2022-09-04</a:t>
+              <a:t>2022-09-18</a:t>
             </a:fld>
             <a:endParaRPr lang="ko-KR" altLang="en-US"/>
           </a:p>
@@ -2071,7 +2072,7 @@
           <a:p>
             <a:fld id="{69BF715A-E05A-4D3C-A28B-CF7D8713C29D}" type="datetimeFigureOut">
               <a:rPr lang="ko-KR" altLang="en-US" smtClean="0"/>
-              <a:t>2022-09-04</a:t>
+              <a:t>2022-09-18</a:t>
             </a:fld>
             <a:endParaRPr lang="ko-KR" altLang="en-US"/>
           </a:p>
@@ -2382,7 +2383,7 @@
           <a:p>
             <a:fld id="{69BF715A-E05A-4D3C-A28B-CF7D8713C29D}" type="datetimeFigureOut">
               <a:rPr lang="ko-KR" altLang="en-US" smtClean="0"/>
-              <a:t>2022-09-04</a:t>
+              <a:t>2022-09-18</a:t>
             </a:fld>
             <a:endParaRPr lang="ko-KR" altLang="en-US"/>
           </a:p>
@@ -2670,7 +2671,7 @@
           <a:p>
             <a:fld id="{69BF715A-E05A-4D3C-A28B-CF7D8713C29D}" type="datetimeFigureOut">
               <a:rPr lang="ko-KR" altLang="en-US" smtClean="0"/>
-              <a:t>2022-09-04</a:t>
+              <a:t>2022-09-18</a:t>
             </a:fld>
             <a:endParaRPr lang="ko-KR" altLang="en-US"/>
           </a:p>
@@ -2911,7 +2912,7 @@
           <a:p>
             <a:fld id="{69BF715A-E05A-4D3C-A28B-CF7D8713C29D}" type="datetimeFigureOut">
               <a:rPr lang="ko-KR" altLang="en-US" smtClean="0"/>
-              <a:t>2022-09-04</a:t>
+              <a:t>2022-09-18</a:t>
             </a:fld>
             <a:endParaRPr lang="ko-KR" altLang="en-US"/>
           </a:p>
@@ -3484,8 +3485,8 @@
           <a:p>
             <a:pPr algn="ctr"/>
             <a:r>
-              <a:rPr lang="en-US" altLang="ko-KR" dirty="0"/>
-              <a:t>write case</a:t>
+              <a:rPr lang="en-US" altLang="ko-KR" dirty="0" err="1"/>
+              <a:t>core_read</a:t>
             </a:r>
             <a:endParaRPr lang="ko-KR" altLang="en-US" dirty="0"/>
           </a:p>
@@ -5917,6 +5918,1639 @@
       </p:grpSpPr>
       <p:sp>
         <p:nvSpPr>
+          <p:cNvPr id="5" name="TextBox 4">
+            <a:extLst>
+              <a:ext uri="{FF2B5EF4-FFF2-40B4-BE49-F238E27FC236}">
+                <a16:creationId xmlns:a16="http://schemas.microsoft.com/office/drawing/2014/main" id="{31A5195B-C875-8061-BAA2-841EAAA350EC}"/>
+              </a:ext>
+            </a:extLst>
+          </p:cNvPr>
+          <p:cNvSpPr txBox="1"/>
+          <p:nvPr/>
+        </p:nvSpPr>
+        <p:spPr>
+          <a:xfrm>
+            <a:off x="599768" y="500200"/>
+            <a:ext cx="6096000" cy="1477328"/>
+          </a:xfrm>
+          <a:prstGeom prst="rect">
+            <a:avLst/>
+          </a:prstGeom>
+          <a:noFill/>
+        </p:spPr>
+        <p:txBody>
+          <a:bodyPr wrap="square">
+            <a:spAutoFit/>
+          </a:bodyPr>
+          <a:lstStyle/>
+          <a:p>
+            <a:r>
+              <a:rPr lang="en-US" altLang="ko-KR" b="0" dirty="0">
+                <a:solidFill>
+                  <a:srgbClr val="D4D4D4"/>
+                </a:solidFill>
+                <a:effectLst/>
+                <a:latin typeface="Consolas" panose="020B0609020204030204" pitchFamily="49" charset="0"/>
+              </a:rPr>
+              <a:t>  </a:t>
+            </a:r>
+            <a:r>
+              <a:rPr lang="en-US" altLang="ko-KR" b="0" dirty="0" err="1">
+                <a:solidFill>
+                  <a:srgbClr val="569CD6"/>
+                </a:solidFill>
+                <a:effectLst/>
+                <a:latin typeface="Consolas" panose="020B0609020204030204" pitchFamily="49" charset="0"/>
+              </a:rPr>
+              <a:t>localparam</a:t>
+            </a:r>
+            <a:r>
+              <a:rPr lang="en-US" altLang="ko-KR" b="0" dirty="0">
+                <a:solidFill>
+                  <a:srgbClr val="D4D4D4"/>
+                </a:solidFill>
+                <a:effectLst/>
+                <a:latin typeface="Consolas" panose="020B0609020204030204" pitchFamily="49" charset="0"/>
+              </a:rPr>
+              <a:t> </a:t>
+            </a:r>
+            <a:r>
+              <a:rPr lang="en-US" altLang="ko-KR" b="0" dirty="0" err="1">
+                <a:solidFill>
+                  <a:srgbClr val="D4D4D4"/>
+                </a:solidFill>
+                <a:effectLst/>
+                <a:latin typeface="Consolas" panose="020B0609020204030204" pitchFamily="49" charset="0"/>
+              </a:rPr>
+              <a:t>ST_READY</a:t>
+            </a:r>
+            <a:r>
+              <a:rPr lang="en-US" altLang="ko-KR" b="0" dirty="0">
+                <a:solidFill>
+                  <a:srgbClr val="D4D4D4"/>
+                </a:solidFill>
+                <a:effectLst/>
+                <a:latin typeface="Consolas" panose="020B0609020204030204" pitchFamily="49" charset="0"/>
+              </a:rPr>
+              <a:t>    = </a:t>
+            </a:r>
+            <a:r>
+              <a:rPr lang="en-US" altLang="ko-KR" b="0" dirty="0">
+                <a:solidFill>
+                  <a:srgbClr val="B5CEA8"/>
+                </a:solidFill>
+                <a:effectLst/>
+                <a:latin typeface="Consolas" panose="020B0609020204030204" pitchFamily="49" charset="0"/>
+              </a:rPr>
+              <a:t>'</a:t>
+            </a:r>
+            <a:r>
+              <a:rPr lang="en-US" altLang="ko-KR" b="0" dirty="0" err="1">
+                <a:solidFill>
+                  <a:srgbClr val="B5CEA8"/>
+                </a:solidFill>
+                <a:effectLst/>
+                <a:latin typeface="Consolas" panose="020B0609020204030204" pitchFamily="49" charset="0"/>
+              </a:rPr>
+              <a:t>h0</a:t>
+            </a:r>
+            <a:endParaRPr lang="en-US" altLang="ko-KR" b="0" dirty="0">
+              <a:solidFill>
+                <a:srgbClr val="D4D4D4"/>
+              </a:solidFill>
+              <a:effectLst/>
+              <a:latin typeface="Consolas" panose="020B0609020204030204" pitchFamily="49" charset="0"/>
+            </a:endParaRPr>
+          </a:p>
+          <a:p>
+            <a:r>
+              <a:rPr lang="en-US" altLang="ko-KR" b="0" dirty="0">
+                <a:solidFill>
+                  <a:srgbClr val="D4D4D4"/>
+                </a:solidFill>
+                <a:effectLst/>
+                <a:latin typeface="Consolas" panose="020B0609020204030204" pitchFamily="49" charset="0"/>
+              </a:rPr>
+              <a:t>            , </a:t>
+            </a:r>
+            <a:r>
+              <a:rPr lang="en-US" altLang="ko-KR" b="0" dirty="0" err="1">
+                <a:solidFill>
+                  <a:srgbClr val="D4D4D4"/>
+                </a:solidFill>
+                <a:effectLst/>
+                <a:latin typeface="Consolas" panose="020B0609020204030204" pitchFamily="49" charset="0"/>
+              </a:rPr>
+              <a:t>ST_MISALIGN</a:t>
+            </a:r>
+            <a:r>
+              <a:rPr lang="en-US" altLang="ko-KR" b="0" dirty="0">
+                <a:solidFill>
+                  <a:srgbClr val="D4D4D4"/>
+                </a:solidFill>
+                <a:effectLst/>
+                <a:latin typeface="Consolas" panose="020B0609020204030204" pitchFamily="49" charset="0"/>
+              </a:rPr>
+              <a:t> = </a:t>
+            </a:r>
+            <a:r>
+              <a:rPr lang="en-US" altLang="ko-KR" b="0" dirty="0">
+                <a:solidFill>
+                  <a:srgbClr val="B5CEA8"/>
+                </a:solidFill>
+                <a:effectLst/>
+                <a:latin typeface="Consolas" panose="020B0609020204030204" pitchFamily="49" charset="0"/>
+              </a:rPr>
+              <a:t>'</a:t>
+            </a:r>
+            <a:r>
+              <a:rPr lang="en-US" altLang="ko-KR" b="0" dirty="0" err="1">
+                <a:solidFill>
+                  <a:srgbClr val="B5CEA8"/>
+                </a:solidFill>
+                <a:effectLst/>
+                <a:latin typeface="Consolas" panose="020B0609020204030204" pitchFamily="49" charset="0"/>
+              </a:rPr>
+              <a:t>h1</a:t>
+            </a:r>
+            <a:endParaRPr lang="en-US" altLang="ko-KR" b="0" dirty="0">
+              <a:solidFill>
+                <a:srgbClr val="D4D4D4"/>
+              </a:solidFill>
+              <a:effectLst/>
+              <a:latin typeface="Consolas" panose="020B0609020204030204" pitchFamily="49" charset="0"/>
+            </a:endParaRPr>
+          </a:p>
+          <a:p>
+            <a:r>
+              <a:rPr lang="en-US" altLang="ko-KR" b="0" dirty="0">
+                <a:solidFill>
+                  <a:srgbClr val="D4D4D4"/>
+                </a:solidFill>
+                <a:effectLst/>
+                <a:latin typeface="Consolas" panose="020B0609020204030204" pitchFamily="49" charset="0"/>
+              </a:rPr>
+              <a:t>            , </a:t>
+            </a:r>
+            <a:r>
+              <a:rPr lang="en-US" altLang="ko-KR" b="0" dirty="0" err="1">
+                <a:solidFill>
+                  <a:srgbClr val="D4D4D4"/>
+                </a:solidFill>
+                <a:effectLst/>
+                <a:latin typeface="Consolas" panose="020B0609020204030204" pitchFamily="49" charset="0"/>
+              </a:rPr>
+              <a:t>ST_ALIGN</a:t>
+            </a:r>
+            <a:r>
+              <a:rPr lang="en-US" altLang="ko-KR" b="0" dirty="0">
+                <a:solidFill>
+                  <a:srgbClr val="D4D4D4"/>
+                </a:solidFill>
+                <a:effectLst/>
+                <a:latin typeface="Consolas" panose="020B0609020204030204" pitchFamily="49" charset="0"/>
+              </a:rPr>
+              <a:t>    = </a:t>
+            </a:r>
+            <a:r>
+              <a:rPr lang="en-US" altLang="ko-KR" b="0" dirty="0">
+                <a:solidFill>
+                  <a:srgbClr val="B5CEA8"/>
+                </a:solidFill>
+                <a:effectLst/>
+                <a:latin typeface="Consolas" panose="020B0609020204030204" pitchFamily="49" charset="0"/>
+              </a:rPr>
+              <a:t>'</a:t>
+            </a:r>
+            <a:r>
+              <a:rPr lang="en-US" altLang="ko-KR" b="0" dirty="0" err="1">
+                <a:solidFill>
+                  <a:srgbClr val="B5CEA8"/>
+                </a:solidFill>
+                <a:effectLst/>
+                <a:latin typeface="Consolas" panose="020B0609020204030204" pitchFamily="49" charset="0"/>
+              </a:rPr>
+              <a:t>h2</a:t>
+            </a:r>
+            <a:endParaRPr lang="en-US" altLang="ko-KR" b="0" dirty="0">
+              <a:solidFill>
+                <a:srgbClr val="D4D4D4"/>
+              </a:solidFill>
+              <a:effectLst/>
+              <a:latin typeface="Consolas" panose="020B0609020204030204" pitchFamily="49" charset="0"/>
+            </a:endParaRPr>
+          </a:p>
+          <a:p>
+            <a:r>
+              <a:rPr lang="en-US" altLang="ko-KR" b="0" dirty="0">
+                <a:solidFill>
+                  <a:srgbClr val="D4D4D4"/>
+                </a:solidFill>
+                <a:effectLst/>
+                <a:latin typeface="Consolas" panose="020B0609020204030204" pitchFamily="49" charset="0"/>
+              </a:rPr>
+              <a:t>            , </a:t>
+            </a:r>
+            <a:r>
+              <a:rPr lang="en-US" altLang="ko-KR" b="0" dirty="0" err="1">
+                <a:solidFill>
+                  <a:srgbClr val="D4D4D4"/>
+                </a:solidFill>
+                <a:effectLst/>
+                <a:latin typeface="Consolas" panose="020B0609020204030204" pitchFamily="49" charset="0"/>
+              </a:rPr>
+              <a:t>ST_READ</a:t>
+            </a:r>
+            <a:r>
+              <a:rPr lang="en-US" altLang="ko-KR" b="0" dirty="0">
+                <a:solidFill>
+                  <a:srgbClr val="D4D4D4"/>
+                </a:solidFill>
+                <a:effectLst/>
+                <a:latin typeface="Consolas" panose="020B0609020204030204" pitchFamily="49" charset="0"/>
+              </a:rPr>
+              <a:t>     = </a:t>
+            </a:r>
+            <a:r>
+              <a:rPr lang="en-US" altLang="ko-KR" b="0" dirty="0">
+                <a:solidFill>
+                  <a:srgbClr val="B5CEA8"/>
+                </a:solidFill>
+                <a:effectLst/>
+                <a:latin typeface="Consolas" panose="020B0609020204030204" pitchFamily="49" charset="0"/>
+              </a:rPr>
+              <a:t>'</a:t>
+            </a:r>
+            <a:r>
+              <a:rPr lang="en-US" altLang="ko-KR" b="0" dirty="0" err="1">
+                <a:solidFill>
+                  <a:srgbClr val="B5CEA8"/>
+                </a:solidFill>
+                <a:effectLst/>
+                <a:latin typeface="Consolas" panose="020B0609020204030204" pitchFamily="49" charset="0"/>
+              </a:rPr>
+              <a:t>h3</a:t>
+            </a:r>
+            <a:endParaRPr lang="en-US" altLang="ko-KR" b="0" dirty="0">
+              <a:solidFill>
+                <a:srgbClr val="D4D4D4"/>
+              </a:solidFill>
+              <a:effectLst/>
+              <a:latin typeface="Consolas" panose="020B0609020204030204" pitchFamily="49" charset="0"/>
+            </a:endParaRPr>
+          </a:p>
+          <a:p>
+            <a:r>
+              <a:rPr lang="en-US" altLang="ko-KR" b="0" dirty="0">
+                <a:solidFill>
+                  <a:srgbClr val="D4D4D4"/>
+                </a:solidFill>
+                <a:effectLst/>
+                <a:latin typeface="Consolas" panose="020B0609020204030204" pitchFamily="49" charset="0"/>
+              </a:rPr>
+              <a:t>            , </a:t>
+            </a:r>
+            <a:r>
+              <a:rPr lang="en-US" altLang="ko-KR" b="0" dirty="0" err="1">
+                <a:solidFill>
+                  <a:srgbClr val="D4D4D4"/>
+                </a:solidFill>
+                <a:effectLst/>
+                <a:latin typeface="Consolas" panose="020B0609020204030204" pitchFamily="49" charset="0"/>
+              </a:rPr>
+              <a:t>ST_READ_DONE</a:t>
+            </a:r>
+            <a:r>
+              <a:rPr lang="en-US" altLang="ko-KR" b="0" dirty="0">
+                <a:solidFill>
+                  <a:srgbClr val="D4D4D4"/>
+                </a:solidFill>
+                <a:effectLst/>
+                <a:latin typeface="Consolas" panose="020B0609020204030204" pitchFamily="49" charset="0"/>
+              </a:rPr>
+              <a:t>= </a:t>
+            </a:r>
+            <a:r>
+              <a:rPr lang="en-US" altLang="ko-KR" b="0" dirty="0">
+                <a:solidFill>
+                  <a:srgbClr val="B5CEA8"/>
+                </a:solidFill>
+                <a:effectLst/>
+                <a:latin typeface="Consolas" panose="020B0609020204030204" pitchFamily="49" charset="0"/>
+              </a:rPr>
+              <a:t>'</a:t>
+            </a:r>
+            <a:r>
+              <a:rPr lang="en-US" altLang="ko-KR" b="0" dirty="0" err="1">
+                <a:solidFill>
+                  <a:srgbClr val="B5CEA8"/>
+                </a:solidFill>
+                <a:effectLst/>
+                <a:latin typeface="Consolas" panose="020B0609020204030204" pitchFamily="49" charset="0"/>
+              </a:rPr>
+              <a:t>h4</a:t>
+            </a:r>
+            <a:r>
+              <a:rPr lang="en-US" altLang="ko-KR" b="0" dirty="0">
+                <a:solidFill>
+                  <a:srgbClr val="D4D4D4"/>
+                </a:solidFill>
+                <a:effectLst/>
+                <a:latin typeface="Consolas" panose="020B0609020204030204" pitchFamily="49" charset="0"/>
+              </a:rPr>
+              <a:t>;</a:t>
+            </a:r>
+          </a:p>
+        </p:txBody>
+      </p:sp>
+      <p:sp>
+        <p:nvSpPr>
+          <p:cNvPr id="7" name="TextBox 6">
+            <a:extLst>
+              <a:ext uri="{FF2B5EF4-FFF2-40B4-BE49-F238E27FC236}">
+                <a16:creationId xmlns:a16="http://schemas.microsoft.com/office/drawing/2014/main" id="{7F90510F-C561-1477-27D2-AAF2292FDB8A}"/>
+              </a:ext>
+            </a:extLst>
+          </p:cNvPr>
+          <p:cNvSpPr txBox="1"/>
+          <p:nvPr/>
+        </p:nvSpPr>
+        <p:spPr>
+          <a:xfrm>
+            <a:off x="1081548" y="2828835"/>
+            <a:ext cx="6096000" cy="1200329"/>
+          </a:xfrm>
+          <a:prstGeom prst="rect">
+            <a:avLst/>
+          </a:prstGeom>
+          <a:noFill/>
+        </p:spPr>
+        <p:txBody>
+          <a:bodyPr wrap="square">
+            <a:spAutoFit/>
+          </a:bodyPr>
+          <a:lstStyle/>
+          <a:p>
+            <a:r>
+              <a:rPr lang="pt-BR" altLang="ko-KR" b="0" dirty="0">
+                <a:solidFill>
+                  <a:srgbClr val="D4D4D4"/>
+                </a:solidFill>
+                <a:effectLst/>
+                <a:latin typeface="Consolas" panose="020B0609020204030204" pitchFamily="49" charset="0"/>
+              </a:rPr>
+              <a:t>SR_IDLE = </a:t>
+            </a:r>
+            <a:r>
+              <a:rPr lang="pt-BR" altLang="ko-KR" b="0" dirty="0">
+                <a:solidFill>
+                  <a:srgbClr val="B5CEA8"/>
+                </a:solidFill>
+                <a:effectLst/>
+                <a:latin typeface="Consolas" panose="020B0609020204030204" pitchFamily="49" charset="0"/>
+              </a:rPr>
+              <a:t>'h0</a:t>
+            </a:r>
+            <a:endParaRPr lang="pt-BR" altLang="ko-KR" b="0" dirty="0">
+              <a:solidFill>
+                <a:srgbClr val="D4D4D4"/>
+              </a:solidFill>
+              <a:effectLst/>
+              <a:latin typeface="Consolas" panose="020B0609020204030204" pitchFamily="49" charset="0"/>
+            </a:endParaRPr>
+          </a:p>
+          <a:p>
+            <a:r>
+              <a:rPr lang="pt-BR" altLang="ko-KR" b="0" dirty="0">
+                <a:solidFill>
+                  <a:srgbClr val="D4D4D4"/>
+                </a:solidFill>
+                <a:effectLst/>
+                <a:latin typeface="Consolas" panose="020B0609020204030204" pitchFamily="49" charset="0"/>
+              </a:rPr>
+              <a:t>            , SR_ARB  = </a:t>
+            </a:r>
+            <a:r>
+              <a:rPr lang="pt-BR" altLang="ko-KR" b="0" dirty="0">
+                <a:solidFill>
+                  <a:srgbClr val="B5CEA8"/>
+                </a:solidFill>
+                <a:effectLst/>
+                <a:latin typeface="Consolas" panose="020B0609020204030204" pitchFamily="49" charset="0"/>
+              </a:rPr>
+              <a:t>'h1</a:t>
+            </a:r>
+            <a:endParaRPr lang="pt-BR" altLang="ko-KR" b="0" dirty="0">
+              <a:solidFill>
+                <a:srgbClr val="D4D4D4"/>
+              </a:solidFill>
+              <a:effectLst/>
+              <a:latin typeface="Consolas" panose="020B0609020204030204" pitchFamily="49" charset="0"/>
+            </a:endParaRPr>
+          </a:p>
+          <a:p>
+            <a:r>
+              <a:rPr lang="pt-BR" altLang="ko-KR" b="0" dirty="0">
+                <a:solidFill>
+                  <a:srgbClr val="D4D4D4"/>
+                </a:solidFill>
+                <a:effectLst/>
+                <a:latin typeface="Consolas" panose="020B0609020204030204" pitchFamily="49" charset="0"/>
+              </a:rPr>
+              <a:t>            , SR_RD   = </a:t>
+            </a:r>
+            <a:r>
+              <a:rPr lang="pt-BR" altLang="ko-KR" b="0" dirty="0">
+                <a:solidFill>
+                  <a:srgbClr val="B5CEA8"/>
+                </a:solidFill>
+                <a:effectLst/>
+                <a:latin typeface="Consolas" panose="020B0609020204030204" pitchFamily="49" charset="0"/>
+              </a:rPr>
+              <a:t>'h2</a:t>
+            </a:r>
+            <a:endParaRPr lang="pt-BR" altLang="ko-KR" b="0" dirty="0">
+              <a:solidFill>
+                <a:srgbClr val="D4D4D4"/>
+              </a:solidFill>
+              <a:effectLst/>
+              <a:latin typeface="Consolas" panose="020B0609020204030204" pitchFamily="49" charset="0"/>
+            </a:endParaRPr>
+          </a:p>
+          <a:p>
+            <a:r>
+              <a:rPr lang="pt-BR" altLang="ko-KR" b="0" dirty="0">
+                <a:solidFill>
+                  <a:srgbClr val="D4D4D4"/>
+                </a:solidFill>
+                <a:effectLst/>
+                <a:latin typeface="Consolas" panose="020B0609020204030204" pitchFamily="49" charset="0"/>
+              </a:rPr>
+              <a:t>            , SR_DONE = </a:t>
+            </a:r>
+            <a:r>
+              <a:rPr lang="pt-BR" altLang="ko-KR" b="0" dirty="0">
+                <a:solidFill>
+                  <a:srgbClr val="B5CEA8"/>
+                </a:solidFill>
+                <a:effectLst/>
+                <a:latin typeface="Consolas" panose="020B0609020204030204" pitchFamily="49" charset="0"/>
+              </a:rPr>
+              <a:t>'h3</a:t>
+            </a:r>
+            <a:r>
+              <a:rPr lang="pt-BR" altLang="ko-KR" b="0" dirty="0">
+                <a:solidFill>
+                  <a:srgbClr val="D4D4D4"/>
+                </a:solidFill>
+                <a:effectLst/>
+                <a:latin typeface="Consolas" panose="020B0609020204030204" pitchFamily="49" charset="0"/>
+              </a:rPr>
+              <a:t>;</a:t>
+            </a:r>
+          </a:p>
+        </p:txBody>
+      </p:sp>
+      <p:sp>
+        <p:nvSpPr>
+          <p:cNvPr id="3" name="TextBox 2">
+            <a:extLst>
+              <a:ext uri="{FF2B5EF4-FFF2-40B4-BE49-F238E27FC236}">
+                <a16:creationId xmlns:a16="http://schemas.microsoft.com/office/drawing/2014/main" id="{9502C15C-A6D0-5ACA-52A4-124BF1BB02DD}"/>
+              </a:ext>
+            </a:extLst>
+          </p:cNvPr>
+          <p:cNvSpPr txBox="1"/>
+          <p:nvPr/>
+        </p:nvSpPr>
+        <p:spPr>
+          <a:xfrm>
+            <a:off x="5517833" y="4029164"/>
+            <a:ext cx="6097904" cy="1477328"/>
+          </a:xfrm>
+          <a:prstGeom prst="rect">
+            <a:avLst/>
+          </a:prstGeom>
+          <a:noFill/>
+        </p:spPr>
+        <p:txBody>
+          <a:bodyPr wrap="square">
+            <a:spAutoFit/>
+          </a:bodyPr>
+          <a:lstStyle/>
+          <a:p>
+            <a:r>
+              <a:rPr lang="en-US" altLang="ko-KR" b="0" dirty="0">
+                <a:solidFill>
+                  <a:srgbClr val="D4D4D4"/>
+                </a:solidFill>
+                <a:effectLst/>
+                <a:latin typeface="Consolas" panose="020B0609020204030204" pitchFamily="49" charset="0"/>
+              </a:rPr>
+              <a:t> </a:t>
+            </a:r>
+            <a:r>
+              <a:rPr lang="en-US" altLang="ko-KR" b="0" dirty="0" err="1">
+                <a:solidFill>
+                  <a:srgbClr val="569CD6"/>
+                </a:solidFill>
+                <a:effectLst/>
+                <a:latin typeface="Consolas" panose="020B0609020204030204" pitchFamily="49" charset="0"/>
+              </a:rPr>
+              <a:t>localparam</a:t>
+            </a:r>
+            <a:r>
+              <a:rPr lang="en-US" altLang="ko-KR" b="0" dirty="0">
+                <a:solidFill>
+                  <a:srgbClr val="D4D4D4"/>
+                </a:solidFill>
+                <a:effectLst/>
+                <a:latin typeface="Consolas" panose="020B0609020204030204" pitchFamily="49" charset="0"/>
+              </a:rPr>
+              <a:t> </a:t>
+            </a:r>
+            <a:r>
+              <a:rPr lang="en-US" altLang="ko-KR" b="0" dirty="0" err="1">
+                <a:solidFill>
+                  <a:srgbClr val="D4D4D4"/>
+                </a:solidFill>
+                <a:effectLst/>
+                <a:latin typeface="Consolas" panose="020B0609020204030204" pitchFamily="49" charset="0"/>
+              </a:rPr>
+              <a:t>STR_IDLE</a:t>
+            </a:r>
+            <a:r>
+              <a:rPr lang="en-US" altLang="ko-KR" b="0" dirty="0">
+                <a:solidFill>
+                  <a:srgbClr val="D4D4D4"/>
+                </a:solidFill>
+                <a:effectLst/>
+                <a:latin typeface="Consolas" panose="020B0609020204030204" pitchFamily="49" charset="0"/>
+              </a:rPr>
+              <a:t>          = </a:t>
+            </a:r>
+            <a:r>
+              <a:rPr lang="en-US" altLang="ko-KR" b="0" dirty="0">
+                <a:solidFill>
+                  <a:srgbClr val="B5CEA8"/>
+                </a:solidFill>
+                <a:effectLst/>
+                <a:latin typeface="Consolas" panose="020B0609020204030204" pitchFamily="49" charset="0"/>
+              </a:rPr>
+              <a:t>'</a:t>
+            </a:r>
+            <a:r>
+              <a:rPr lang="en-US" altLang="ko-KR" b="0" dirty="0" err="1">
+                <a:solidFill>
+                  <a:srgbClr val="B5CEA8"/>
+                </a:solidFill>
+                <a:effectLst/>
+                <a:latin typeface="Consolas" panose="020B0609020204030204" pitchFamily="49" charset="0"/>
+              </a:rPr>
+              <a:t>h0</a:t>
+            </a:r>
+            <a:r>
+              <a:rPr lang="en-US" altLang="ko-KR" b="0" dirty="0">
+                <a:solidFill>
+                  <a:srgbClr val="D4D4D4"/>
+                </a:solidFill>
+                <a:effectLst/>
+                <a:latin typeface="Consolas" panose="020B0609020204030204" pitchFamily="49" charset="0"/>
+              </a:rPr>
+              <a:t>,</a:t>
+            </a:r>
+          </a:p>
+          <a:p>
+            <a:r>
+              <a:rPr lang="en-US" altLang="ko-KR" b="0" dirty="0">
+                <a:solidFill>
+                  <a:srgbClr val="D4D4D4"/>
+                </a:solidFill>
+                <a:effectLst/>
+                <a:latin typeface="Consolas" panose="020B0609020204030204" pitchFamily="49" charset="0"/>
+              </a:rPr>
+              <a:t>                </a:t>
+            </a:r>
+            <a:r>
+              <a:rPr lang="en-US" altLang="ko-KR" b="0" dirty="0" err="1">
+                <a:solidFill>
+                  <a:srgbClr val="D4D4D4"/>
+                </a:solidFill>
+                <a:effectLst/>
+                <a:latin typeface="Consolas" panose="020B0609020204030204" pitchFamily="49" charset="0"/>
+              </a:rPr>
+              <a:t>STR_READ_ARB</a:t>
+            </a:r>
+            <a:r>
+              <a:rPr lang="en-US" altLang="ko-KR" b="0" dirty="0">
+                <a:solidFill>
+                  <a:srgbClr val="D4D4D4"/>
+                </a:solidFill>
+                <a:effectLst/>
+                <a:latin typeface="Consolas" panose="020B0609020204030204" pitchFamily="49" charset="0"/>
+              </a:rPr>
+              <a:t>      = </a:t>
+            </a:r>
+            <a:r>
+              <a:rPr lang="en-US" altLang="ko-KR" b="0" dirty="0">
+                <a:solidFill>
+                  <a:srgbClr val="B5CEA8"/>
+                </a:solidFill>
+                <a:effectLst/>
+                <a:latin typeface="Consolas" panose="020B0609020204030204" pitchFamily="49" charset="0"/>
+              </a:rPr>
+              <a:t>'</a:t>
+            </a:r>
+            <a:r>
+              <a:rPr lang="en-US" altLang="ko-KR" b="0" dirty="0" err="1">
+                <a:solidFill>
+                  <a:srgbClr val="B5CEA8"/>
+                </a:solidFill>
+                <a:effectLst/>
+                <a:latin typeface="Consolas" panose="020B0609020204030204" pitchFamily="49" charset="0"/>
+              </a:rPr>
+              <a:t>h1</a:t>
+            </a:r>
+            <a:r>
+              <a:rPr lang="en-US" altLang="ko-KR" b="0" dirty="0">
+                <a:solidFill>
+                  <a:srgbClr val="D4D4D4"/>
+                </a:solidFill>
+                <a:effectLst/>
+                <a:latin typeface="Consolas" panose="020B0609020204030204" pitchFamily="49" charset="0"/>
+              </a:rPr>
+              <a:t>,</a:t>
+            </a:r>
+          </a:p>
+          <a:p>
+            <a:r>
+              <a:rPr lang="en-US" altLang="ko-KR" b="0" dirty="0">
+                <a:solidFill>
+                  <a:srgbClr val="D4D4D4"/>
+                </a:solidFill>
+                <a:effectLst/>
+                <a:latin typeface="Consolas" panose="020B0609020204030204" pitchFamily="49" charset="0"/>
+              </a:rPr>
+              <a:t>                </a:t>
+            </a:r>
+            <a:r>
+              <a:rPr lang="en-US" altLang="ko-KR" b="0" dirty="0" err="1">
+                <a:solidFill>
+                  <a:srgbClr val="D4D4D4"/>
+                </a:solidFill>
+                <a:effectLst/>
+                <a:latin typeface="Consolas" panose="020B0609020204030204" pitchFamily="49" charset="0"/>
+              </a:rPr>
+              <a:t>STR_READ_ADR</a:t>
+            </a:r>
+            <a:r>
+              <a:rPr lang="en-US" altLang="ko-KR" b="0" dirty="0">
+                <a:solidFill>
+                  <a:srgbClr val="D4D4D4"/>
+                </a:solidFill>
+                <a:effectLst/>
+                <a:latin typeface="Consolas" panose="020B0609020204030204" pitchFamily="49" charset="0"/>
+              </a:rPr>
+              <a:t>      = </a:t>
+            </a:r>
+            <a:r>
+              <a:rPr lang="en-US" altLang="ko-KR" b="0" dirty="0">
+                <a:solidFill>
+                  <a:srgbClr val="B5CEA8"/>
+                </a:solidFill>
+                <a:effectLst/>
+                <a:latin typeface="Consolas" panose="020B0609020204030204" pitchFamily="49" charset="0"/>
+              </a:rPr>
+              <a:t>'</a:t>
+            </a:r>
+            <a:r>
+              <a:rPr lang="en-US" altLang="ko-KR" b="0" dirty="0" err="1">
+                <a:solidFill>
+                  <a:srgbClr val="B5CEA8"/>
+                </a:solidFill>
+                <a:effectLst/>
+                <a:latin typeface="Consolas" panose="020B0609020204030204" pitchFamily="49" charset="0"/>
+              </a:rPr>
+              <a:t>h2</a:t>
+            </a:r>
+            <a:r>
+              <a:rPr lang="en-US" altLang="ko-KR" b="0" dirty="0">
+                <a:solidFill>
+                  <a:srgbClr val="D4D4D4"/>
+                </a:solidFill>
+                <a:effectLst/>
+                <a:latin typeface="Consolas" panose="020B0609020204030204" pitchFamily="49" charset="0"/>
+              </a:rPr>
+              <a:t>,</a:t>
+            </a:r>
+          </a:p>
+          <a:p>
+            <a:r>
+              <a:rPr lang="en-US" altLang="ko-KR" b="0" dirty="0">
+                <a:solidFill>
+                  <a:srgbClr val="D4D4D4"/>
+                </a:solidFill>
+                <a:effectLst/>
+                <a:latin typeface="Consolas" panose="020B0609020204030204" pitchFamily="49" charset="0"/>
+              </a:rPr>
+              <a:t>                </a:t>
+            </a:r>
+            <a:r>
+              <a:rPr lang="en-US" altLang="ko-KR" b="0" dirty="0" err="1">
+                <a:solidFill>
+                  <a:srgbClr val="D4D4D4"/>
+                </a:solidFill>
+                <a:effectLst/>
+                <a:latin typeface="Consolas" panose="020B0609020204030204" pitchFamily="49" charset="0"/>
+              </a:rPr>
+              <a:t>STR_READ_DAT</a:t>
+            </a:r>
+            <a:r>
+              <a:rPr lang="en-US" altLang="ko-KR" b="0" dirty="0">
+                <a:solidFill>
+                  <a:srgbClr val="D4D4D4"/>
+                </a:solidFill>
+                <a:effectLst/>
+                <a:latin typeface="Consolas" panose="020B0609020204030204" pitchFamily="49" charset="0"/>
+              </a:rPr>
+              <a:t>      = </a:t>
+            </a:r>
+            <a:r>
+              <a:rPr lang="en-US" altLang="ko-KR" b="0" dirty="0">
+                <a:solidFill>
+                  <a:srgbClr val="B5CEA8"/>
+                </a:solidFill>
+                <a:effectLst/>
+                <a:latin typeface="Consolas" panose="020B0609020204030204" pitchFamily="49" charset="0"/>
+              </a:rPr>
+              <a:t>'</a:t>
+            </a:r>
+            <a:r>
+              <a:rPr lang="en-US" altLang="ko-KR" b="0" dirty="0" err="1">
+                <a:solidFill>
+                  <a:srgbClr val="B5CEA8"/>
+                </a:solidFill>
+                <a:effectLst/>
+                <a:latin typeface="Consolas" panose="020B0609020204030204" pitchFamily="49" charset="0"/>
+              </a:rPr>
+              <a:t>h3</a:t>
+            </a:r>
+            <a:r>
+              <a:rPr lang="en-US" altLang="ko-KR" b="0" dirty="0">
+                <a:solidFill>
+                  <a:srgbClr val="D4D4D4"/>
+                </a:solidFill>
+                <a:effectLst/>
+                <a:latin typeface="Consolas" panose="020B0609020204030204" pitchFamily="49" charset="0"/>
+              </a:rPr>
+              <a:t>,</a:t>
+            </a:r>
+          </a:p>
+          <a:p>
+            <a:r>
+              <a:rPr lang="en-US" altLang="ko-KR" b="0" dirty="0">
+                <a:solidFill>
+                  <a:srgbClr val="D4D4D4"/>
+                </a:solidFill>
+                <a:effectLst/>
+                <a:latin typeface="Consolas" panose="020B0609020204030204" pitchFamily="49" charset="0"/>
+              </a:rPr>
+              <a:t>                </a:t>
+            </a:r>
+            <a:r>
+              <a:rPr lang="en-US" altLang="ko-KR" b="0" dirty="0" err="1">
+                <a:solidFill>
+                  <a:srgbClr val="D4D4D4"/>
+                </a:solidFill>
+                <a:effectLst/>
+                <a:latin typeface="Consolas" panose="020B0609020204030204" pitchFamily="49" charset="0"/>
+              </a:rPr>
+              <a:t>STR_READ_DAT_WAIT</a:t>
+            </a:r>
+            <a:r>
+              <a:rPr lang="en-US" altLang="ko-KR" b="0" dirty="0">
+                <a:solidFill>
+                  <a:srgbClr val="D4D4D4"/>
+                </a:solidFill>
+                <a:effectLst/>
+                <a:latin typeface="Consolas" panose="020B0609020204030204" pitchFamily="49" charset="0"/>
+              </a:rPr>
+              <a:t> = </a:t>
+            </a:r>
+            <a:r>
+              <a:rPr lang="en-US" altLang="ko-KR" b="0" dirty="0">
+                <a:solidFill>
+                  <a:srgbClr val="B5CEA8"/>
+                </a:solidFill>
+                <a:effectLst/>
+                <a:latin typeface="Consolas" panose="020B0609020204030204" pitchFamily="49" charset="0"/>
+              </a:rPr>
+              <a:t>'</a:t>
+            </a:r>
+            <a:r>
+              <a:rPr lang="en-US" altLang="ko-KR" b="0" dirty="0" err="1">
+                <a:solidFill>
+                  <a:srgbClr val="B5CEA8"/>
+                </a:solidFill>
+                <a:effectLst/>
+                <a:latin typeface="Consolas" panose="020B0609020204030204" pitchFamily="49" charset="0"/>
+              </a:rPr>
+              <a:t>h4</a:t>
+            </a:r>
+            <a:r>
+              <a:rPr lang="en-US" altLang="ko-KR" b="0" dirty="0">
+                <a:solidFill>
+                  <a:srgbClr val="D4D4D4"/>
+                </a:solidFill>
+                <a:effectLst/>
+                <a:latin typeface="Consolas" panose="020B0609020204030204" pitchFamily="49" charset="0"/>
+              </a:rPr>
+              <a:t>;</a:t>
+            </a:r>
+          </a:p>
+        </p:txBody>
+      </p:sp>
+    </p:spTree>
+    <p:extLst>
+      <p:ext uri="{BB962C8B-B14F-4D97-AF65-F5344CB8AC3E}">
+        <p14:creationId xmlns:p14="http://schemas.microsoft.com/office/powerpoint/2010/main" val="2745425055"/>
+      </p:ext>
+    </p:extLst>
+  </p:cSld>
+  <p:clrMapOvr>
+    <a:masterClrMapping/>
+  </p:clrMapOvr>
+</p:sld>
+</file>
+
+<file path=ppt/slides/slide3.xml><?xml version="1.0" encoding="utf-8"?>
+<p:sld xmlns:a="http://schemas.openxmlformats.org/drawingml/2006/main" xmlns:r="http://schemas.openxmlformats.org/officeDocument/2006/relationships" xmlns:p="http://schemas.openxmlformats.org/presentationml/2006/main">
+  <p:cSld>
+    <p:spTree>
+      <p:nvGrpSpPr>
+        <p:cNvPr id="1" name=""/>
+        <p:cNvGrpSpPr/>
+        <p:nvPr/>
+      </p:nvGrpSpPr>
+      <p:grpSpPr>
+        <a:xfrm>
+          <a:off x="0" y="0"/>
+          <a:ext cx="0" cy="0"/>
+          <a:chOff x="0" y="0"/>
+          <a:chExt cx="0" cy="0"/>
+        </a:xfrm>
+      </p:grpSpPr>
+      <p:sp>
+        <p:nvSpPr>
+          <p:cNvPr id="3" name="TextBox 2">
+            <a:extLst>
+              <a:ext uri="{FF2B5EF4-FFF2-40B4-BE49-F238E27FC236}">
+                <a16:creationId xmlns:a16="http://schemas.microsoft.com/office/drawing/2014/main" id="{3A889A0B-3634-CE12-11B5-9973784BA7FD}"/>
+              </a:ext>
+            </a:extLst>
+          </p:cNvPr>
+          <p:cNvSpPr txBox="1"/>
+          <p:nvPr/>
+        </p:nvSpPr>
+        <p:spPr>
+          <a:xfrm>
+            <a:off x="627797" y="300251"/>
+            <a:ext cx="7994175" cy="3970318"/>
+          </a:xfrm>
+          <a:prstGeom prst="rect">
+            <a:avLst/>
+          </a:prstGeom>
+          <a:noFill/>
+        </p:spPr>
+        <p:txBody>
+          <a:bodyPr wrap="square">
+            <a:spAutoFit/>
+          </a:bodyPr>
+          <a:lstStyle/>
+          <a:p>
+            <a:r>
+              <a:rPr lang="en-US" altLang="ko-KR" b="0" dirty="0">
+                <a:effectLst/>
+                <a:latin typeface="Consolas" panose="020B0609020204030204" pitchFamily="49" charset="0"/>
+              </a:rPr>
+              <a:t>   </a:t>
+            </a:r>
+            <a:r>
+              <a:rPr lang="en-US" altLang="ko-KR" b="0" dirty="0" err="1">
+                <a:effectLst/>
+                <a:latin typeface="Consolas" panose="020B0609020204030204" pitchFamily="49" charset="0"/>
+              </a:rPr>
+              <a:t>localparam</a:t>
+            </a:r>
+            <a:r>
+              <a:rPr lang="en-US" altLang="ko-KR" b="0" dirty="0">
+                <a:effectLst/>
+                <a:latin typeface="Consolas" panose="020B0609020204030204" pitchFamily="49" charset="0"/>
+              </a:rPr>
+              <a:t> </a:t>
+            </a:r>
+            <a:r>
+              <a:rPr lang="en-US" altLang="ko-KR" b="0" dirty="0" err="1">
+                <a:effectLst/>
+                <a:latin typeface="Consolas" panose="020B0609020204030204" pitchFamily="49" charset="0"/>
+              </a:rPr>
+              <a:t>CSRA_NAME0</a:t>
+            </a:r>
+            <a:r>
+              <a:rPr lang="en-US" altLang="ko-KR" b="0" dirty="0">
+                <a:effectLst/>
+                <a:latin typeface="Consolas" panose="020B0609020204030204" pitchFamily="49" charset="0"/>
+              </a:rPr>
+              <a:t>   = </a:t>
+            </a:r>
+            <a:r>
+              <a:rPr lang="en-US" altLang="ko-KR" b="0" dirty="0" err="1">
+                <a:effectLst/>
+                <a:latin typeface="Consolas" panose="020B0609020204030204" pitchFamily="49" charset="0"/>
+              </a:rPr>
+              <a:t>32'hA000_0000</a:t>
+            </a:r>
+            <a:r>
+              <a:rPr lang="en-US" altLang="ko-KR" b="0" dirty="0">
+                <a:effectLst/>
+                <a:latin typeface="Consolas" panose="020B0609020204030204" pitchFamily="49" charset="0"/>
+              </a:rPr>
+              <a:t> + </a:t>
+            </a:r>
+            <a:r>
+              <a:rPr lang="en-US" altLang="ko-KR" b="0" dirty="0" err="1">
+                <a:effectLst/>
+                <a:latin typeface="Consolas" panose="020B0609020204030204" pitchFamily="49" charset="0"/>
+              </a:rPr>
+              <a:t>8'h00</a:t>
+            </a:r>
+            <a:r>
+              <a:rPr lang="en-US" altLang="ko-KR" b="0" dirty="0">
+                <a:effectLst/>
+                <a:latin typeface="Consolas" panose="020B0609020204030204" pitchFamily="49" charset="0"/>
+              </a:rPr>
+              <a:t>,</a:t>
+            </a:r>
+          </a:p>
+          <a:p>
+            <a:r>
+              <a:rPr lang="en-US" altLang="ko-KR" b="0" dirty="0">
+                <a:effectLst/>
+                <a:latin typeface="Consolas" panose="020B0609020204030204" pitchFamily="49" charset="0"/>
+              </a:rPr>
+              <a:t>              </a:t>
+            </a:r>
+            <a:r>
+              <a:rPr lang="en-US" altLang="ko-KR" b="0" dirty="0" err="1">
+                <a:effectLst/>
+                <a:latin typeface="Consolas" panose="020B0609020204030204" pitchFamily="49" charset="0"/>
+              </a:rPr>
+              <a:t>CSRA_NAME1</a:t>
+            </a:r>
+            <a:r>
+              <a:rPr lang="en-US" altLang="ko-KR" b="0" dirty="0">
+                <a:effectLst/>
+                <a:latin typeface="Consolas" panose="020B0609020204030204" pitchFamily="49" charset="0"/>
+              </a:rPr>
+              <a:t>   = </a:t>
+            </a:r>
+            <a:r>
+              <a:rPr lang="en-US" altLang="ko-KR" b="0" dirty="0" err="1">
+                <a:effectLst/>
+                <a:latin typeface="Consolas" panose="020B0609020204030204" pitchFamily="49" charset="0"/>
+              </a:rPr>
+              <a:t>32'hA000_0000</a:t>
+            </a:r>
+            <a:r>
+              <a:rPr lang="en-US" altLang="ko-KR" b="0" dirty="0">
+                <a:effectLst/>
+                <a:latin typeface="Consolas" panose="020B0609020204030204" pitchFamily="49" charset="0"/>
+              </a:rPr>
+              <a:t> + </a:t>
+            </a:r>
+            <a:r>
+              <a:rPr lang="en-US" altLang="ko-KR" b="0" dirty="0" err="1">
+                <a:effectLst/>
+                <a:latin typeface="Consolas" panose="020B0609020204030204" pitchFamily="49" charset="0"/>
+              </a:rPr>
+              <a:t>8'h04</a:t>
+            </a:r>
+            <a:r>
+              <a:rPr lang="en-US" altLang="ko-KR" b="0" dirty="0">
+                <a:effectLst/>
+                <a:latin typeface="Consolas" panose="020B0609020204030204" pitchFamily="49" charset="0"/>
+              </a:rPr>
+              <a:t>,</a:t>
+            </a:r>
+          </a:p>
+          <a:p>
+            <a:r>
+              <a:rPr lang="en-US" altLang="ko-KR" b="0" dirty="0">
+                <a:effectLst/>
+                <a:latin typeface="Consolas" panose="020B0609020204030204" pitchFamily="49" charset="0"/>
+              </a:rPr>
+              <a:t>              </a:t>
+            </a:r>
+            <a:r>
+              <a:rPr lang="en-US" altLang="ko-KR" b="0" dirty="0" err="1">
+                <a:effectLst/>
+                <a:latin typeface="Consolas" panose="020B0609020204030204" pitchFamily="49" charset="0"/>
+              </a:rPr>
+              <a:t>CSRA_NAME2</a:t>
+            </a:r>
+            <a:r>
+              <a:rPr lang="en-US" altLang="ko-KR" b="0" dirty="0">
+                <a:effectLst/>
+                <a:latin typeface="Consolas" panose="020B0609020204030204" pitchFamily="49" charset="0"/>
+              </a:rPr>
+              <a:t>   = </a:t>
+            </a:r>
+            <a:r>
+              <a:rPr lang="en-US" altLang="ko-KR" b="0" dirty="0" err="1">
+                <a:effectLst/>
+                <a:latin typeface="Consolas" panose="020B0609020204030204" pitchFamily="49" charset="0"/>
+              </a:rPr>
+              <a:t>32'hA000_0000</a:t>
+            </a:r>
+            <a:r>
+              <a:rPr lang="en-US" altLang="ko-KR" b="0" dirty="0">
+                <a:effectLst/>
+                <a:latin typeface="Consolas" panose="020B0609020204030204" pitchFamily="49" charset="0"/>
+              </a:rPr>
+              <a:t> + </a:t>
+            </a:r>
+            <a:r>
+              <a:rPr lang="en-US" altLang="ko-KR" b="0" dirty="0" err="1">
+                <a:effectLst/>
+                <a:latin typeface="Consolas" panose="020B0609020204030204" pitchFamily="49" charset="0"/>
+              </a:rPr>
+              <a:t>8'h08</a:t>
+            </a:r>
+            <a:r>
+              <a:rPr lang="en-US" altLang="ko-KR" b="0" dirty="0">
+                <a:effectLst/>
+                <a:latin typeface="Consolas" panose="020B0609020204030204" pitchFamily="49" charset="0"/>
+              </a:rPr>
+              <a:t>,</a:t>
+            </a:r>
+          </a:p>
+          <a:p>
+            <a:r>
+              <a:rPr lang="en-US" altLang="ko-KR" b="0" dirty="0">
+                <a:effectLst/>
+                <a:latin typeface="Consolas" panose="020B0609020204030204" pitchFamily="49" charset="0"/>
+              </a:rPr>
+              <a:t>              </a:t>
+            </a:r>
+            <a:r>
+              <a:rPr lang="en-US" altLang="ko-KR" b="0" dirty="0" err="1">
+                <a:effectLst/>
+                <a:latin typeface="Consolas" panose="020B0609020204030204" pitchFamily="49" charset="0"/>
+              </a:rPr>
+              <a:t>CSRA_NAME3</a:t>
+            </a:r>
+            <a:r>
+              <a:rPr lang="en-US" altLang="ko-KR" b="0" dirty="0">
+                <a:effectLst/>
+                <a:latin typeface="Consolas" panose="020B0609020204030204" pitchFamily="49" charset="0"/>
+              </a:rPr>
+              <a:t>   = </a:t>
+            </a:r>
+            <a:r>
+              <a:rPr lang="en-US" altLang="ko-KR" b="0" dirty="0" err="1">
+                <a:effectLst/>
+                <a:latin typeface="Consolas" panose="020B0609020204030204" pitchFamily="49" charset="0"/>
+              </a:rPr>
+              <a:t>32'hA000_0000</a:t>
+            </a:r>
+            <a:r>
+              <a:rPr lang="en-US" altLang="ko-KR" b="0" dirty="0">
+                <a:effectLst/>
+                <a:latin typeface="Consolas" panose="020B0609020204030204" pitchFamily="49" charset="0"/>
+              </a:rPr>
+              <a:t> + </a:t>
+            </a:r>
+            <a:r>
+              <a:rPr lang="en-US" altLang="ko-KR" b="0" dirty="0" err="1">
+                <a:effectLst/>
+                <a:latin typeface="Consolas" panose="020B0609020204030204" pitchFamily="49" charset="0"/>
+              </a:rPr>
+              <a:t>8'h0C</a:t>
+            </a:r>
+            <a:r>
+              <a:rPr lang="en-US" altLang="ko-KR" b="0" dirty="0">
+                <a:effectLst/>
+                <a:latin typeface="Consolas" panose="020B0609020204030204" pitchFamily="49" charset="0"/>
+              </a:rPr>
+              <a:t>,</a:t>
+            </a:r>
+          </a:p>
+          <a:p>
+            <a:r>
+              <a:rPr lang="en-US" altLang="ko-KR" b="0" dirty="0">
+                <a:effectLst/>
+                <a:latin typeface="Consolas" panose="020B0609020204030204" pitchFamily="49" charset="0"/>
+              </a:rPr>
+              <a:t>              </a:t>
+            </a:r>
+            <a:r>
+              <a:rPr lang="en-US" altLang="ko-KR" b="0" dirty="0" err="1">
+                <a:effectLst/>
+                <a:latin typeface="Consolas" panose="020B0609020204030204" pitchFamily="49" charset="0"/>
+              </a:rPr>
+              <a:t>CSRA_COMP0</a:t>
+            </a:r>
+            <a:r>
+              <a:rPr lang="en-US" altLang="ko-KR" b="0" dirty="0">
+                <a:effectLst/>
+                <a:latin typeface="Consolas" panose="020B0609020204030204" pitchFamily="49" charset="0"/>
+              </a:rPr>
+              <a:t>   = </a:t>
+            </a:r>
+            <a:r>
+              <a:rPr lang="en-US" altLang="ko-KR" b="0" dirty="0" err="1">
+                <a:effectLst/>
+                <a:latin typeface="Consolas" panose="020B0609020204030204" pitchFamily="49" charset="0"/>
+              </a:rPr>
+              <a:t>32'hA000_0000</a:t>
+            </a:r>
+            <a:r>
+              <a:rPr lang="en-US" altLang="ko-KR" b="0" dirty="0">
+                <a:effectLst/>
+                <a:latin typeface="Consolas" panose="020B0609020204030204" pitchFamily="49" charset="0"/>
+              </a:rPr>
+              <a:t> + </a:t>
+            </a:r>
+            <a:r>
+              <a:rPr lang="en-US" altLang="ko-KR" b="0" dirty="0" err="1">
+                <a:effectLst/>
+                <a:latin typeface="Consolas" panose="020B0609020204030204" pitchFamily="49" charset="0"/>
+              </a:rPr>
+              <a:t>8'h10</a:t>
+            </a:r>
+            <a:r>
+              <a:rPr lang="en-US" altLang="ko-KR" b="0" dirty="0">
+                <a:effectLst/>
+                <a:latin typeface="Consolas" panose="020B0609020204030204" pitchFamily="49" charset="0"/>
+              </a:rPr>
+              <a:t>,</a:t>
+            </a:r>
+          </a:p>
+          <a:p>
+            <a:r>
+              <a:rPr lang="en-US" altLang="ko-KR" b="0" dirty="0">
+                <a:effectLst/>
+                <a:latin typeface="Consolas" panose="020B0609020204030204" pitchFamily="49" charset="0"/>
+              </a:rPr>
+              <a:t>              </a:t>
+            </a:r>
+            <a:r>
+              <a:rPr lang="en-US" altLang="ko-KR" b="0" dirty="0" err="1">
+                <a:effectLst/>
+                <a:latin typeface="Consolas" panose="020B0609020204030204" pitchFamily="49" charset="0"/>
+              </a:rPr>
+              <a:t>CSRA_COMP1</a:t>
+            </a:r>
+            <a:r>
+              <a:rPr lang="en-US" altLang="ko-KR" b="0" dirty="0">
+                <a:effectLst/>
+                <a:latin typeface="Consolas" panose="020B0609020204030204" pitchFamily="49" charset="0"/>
+              </a:rPr>
+              <a:t>   = </a:t>
+            </a:r>
+            <a:r>
+              <a:rPr lang="en-US" altLang="ko-KR" b="0" dirty="0" err="1">
+                <a:effectLst/>
+                <a:latin typeface="Consolas" panose="020B0609020204030204" pitchFamily="49" charset="0"/>
+              </a:rPr>
+              <a:t>32'hA000_0000</a:t>
+            </a:r>
+            <a:r>
+              <a:rPr lang="en-US" altLang="ko-KR" b="0" dirty="0">
+                <a:effectLst/>
+                <a:latin typeface="Consolas" panose="020B0609020204030204" pitchFamily="49" charset="0"/>
+              </a:rPr>
+              <a:t> + </a:t>
+            </a:r>
+            <a:r>
+              <a:rPr lang="en-US" altLang="ko-KR" b="0" dirty="0" err="1">
+                <a:effectLst/>
+                <a:latin typeface="Consolas" panose="020B0609020204030204" pitchFamily="49" charset="0"/>
+              </a:rPr>
+              <a:t>8'h14</a:t>
+            </a:r>
+            <a:r>
+              <a:rPr lang="en-US" altLang="ko-KR" b="0" dirty="0">
+                <a:effectLst/>
+                <a:latin typeface="Consolas" panose="020B0609020204030204" pitchFamily="49" charset="0"/>
+              </a:rPr>
+              <a:t>,</a:t>
+            </a:r>
+          </a:p>
+          <a:p>
+            <a:r>
+              <a:rPr lang="en-US" altLang="ko-KR" b="0" dirty="0">
+                <a:effectLst/>
+                <a:latin typeface="Consolas" panose="020B0609020204030204" pitchFamily="49" charset="0"/>
+              </a:rPr>
+              <a:t>              </a:t>
+            </a:r>
+            <a:r>
+              <a:rPr lang="en-US" altLang="ko-KR" b="0" dirty="0" err="1">
+                <a:effectLst/>
+                <a:latin typeface="Consolas" panose="020B0609020204030204" pitchFamily="49" charset="0"/>
+              </a:rPr>
+              <a:t>CSRA_COMP2</a:t>
+            </a:r>
+            <a:r>
+              <a:rPr lang="en-US" altLang="ko-KR" b="0" dirty="0">
+                <a:effectLst/>
+                <a:latin typeface="Consolas" panose="020B0609020204030204" pitchFamily="49" charset="0"/>
+              </a:rPr>
+              <a:t>   = </a:t>
+            </a:r>
+            <a:r>
+              <a:rPr lang="en-US" altLang="ko-KR" b="0" dirty="0" err="1">
+                <a:effectLst/>
+                <a:latin typeface="Consolas" panose="020B0609020204030204" pitchFamily="49" charset="0"/>
+              </a:rPr>
+              <a:t>32'hA000_0000</a:t>
+            </a:r>
+            <a:r>
+              <a:rPr lang="en-US" altLang="ko-KR" b="0" dirty="0">
+                <a:effectLst/>
+                <a:latin typeface="Consolas" panose="020B0609020204030204" pitchFamily="49" charset="0"/>
+              </a:rPr>
+              <a:t> + </a:t>
+            </a:r>
+            <a:r>
+              <a:rPr lang="en-US" altLang="ko-KR" b="0" dirty="0" err="1">
+                <a:effectLst/>
+                <a:latin typeface="Consolas" panose="020B0609020204030204" pitchFamily="49" charset="0"/>
+              </a:rPr>
+              <a:t>8'h18</a:t>
+            </a:r>
+            <a:r>
+              <a:rPr lang="en-US" altLang="ko-KR" b="0" dirty="0">
+                <a:effectLst/>
+                <a:latin typeface="Consolas" panose="020B0609020204030204" pitchFamily="49" charset="0"/>
+              </a:rPr>
+              <a:t>,</a:t>
+            </a:r>
+          </a:p>
+          <a:p>
+            <a:r>
+              <a:rPr lang="en-US" altLang="ko-KR" b="0" dirty="0">
+                <a:effectLst/>
+                <a:latin typeface="Consolas" panose="020B0609020204030204" pitchFamily="49" charset="0"/>
+              </a:rPr>
+              <a:t>              </a:t>
+            </a:r>
+            <a:r>
+              <a:rPr lang="en-US" altLang="ko-KR" b="0" dirty="0" err="1">
+                <a:effectLst/>
+                <a:latin typeface="Consolas" panose="020B0609020204030204" pitchFamily="49" charset="0"/>
+              </a:rPr>
+              <a:t>CSRA_COMP3</a:t>
+            </a:r>
+            <a:r>
+              <a:rPr lang="en-US" altLang="ko-KR" b="0" dirty="0">
+                <a:effectLst/>
+                <a:latin typeface="Consolas" panose="020B0609020204030204" pitchFamily="49" charset="0"/>
+              </a:rPr>
+              <a:t>   = </a:t>
+            </a:r>
+            <a:r>
+              <a:rPr lang="en-US" altLang="ko-KR" b="0" dirty="0" err="1">
+                <a:effectLst/>
+                <a:latin typeface="Consolas" panose="020B0609020204030204" pitchFamily="49" charset="0"/>
+              </a:rPr>
+              <a:t>32'hA000_0000</a:t>
+            </a:r>
+            <a:r>
+              <a:rPr lang="en-US" altLang="ko-KR" b="0" dirty="0">
+                <a:effectLst/>
+                <a:latin typeface="Consolas" panose="020B0609020204030204" pitchFamily="49" charset="0"/>
+              </a:rPr>
+              <a:t> + </a:t>
+            </a:r>
+            <a:r>
+              <a:rPr lang="en-US" altLang="ko-KR" b="0" dirty="0" err="1">
+                <a:effectLst/>
+                <a:latin typeface="Consolas" panose="020B0609020204030204" pitchFamily="49" charset="0"/>
+              </a:rPr>
+              <a:t>8'h1C</a:t>
+            </a:r>
+            <a:r>
+              <a:rPr lang="en-US" altLang="ko-KR" b="0" dirty="0">
+                <a:effectLst/>
+                <a:latin typeface="Consolas" panose="020B0609020204030204" pitchFamily="49" charset="0"/>
+              </a:rPr>
+              <a:t>,</a:t>
+            </a:r>
+          </a:p>
+          <a:p>
+            <a:r>
+              <a:rPr lang="en-US" altLang="ko-KR" b="0" dirty="0">
+                <a:effectLst/>
+                <a:latin typeface="Consolas" panose="020B0609020204030204" pitchFamily="49" charset="0"/>
+              </a:rPr>
+              <a:t>              </a:t>
+            </a:r>
+            <a:r>
+              <a:rPr lang="en-US" altLang="ko-KR" b="0" dirty="0" err="1">
+                <a:effectLst/>
+                <a:latin typeface="Consolas" panose="020B0609020204030204" pitchFamily="49" charset="0"/>
+              </a:rPr>
+              <a:t>CSRA_VERSION</a:t>
+            </a:r>
+            <a:r>
+              <a:rPr lang="en-US" altLang="ko-KR" b="0" dirty="0">
+                <a:effectLst/>
+                <a:latin typeface="Consolas" panose="020B0609020204030204" pitchFamily="49" charset="0"/>
+              </a:rPr>
+              <a:t> = </a:t>
+            </a:r>
+            <a:r>
+              <a:rPr lang="en-US" altLang="ko-KR" b="0" dirty="0" err="1">
+                <a:effectLst/>
+                <a:latin typeface="Consolas" panose="020B0609020204030204" pitchFamily="49" charset="0"/>
+              </a:rPr>
+              <a:t>32'hA000_0000</a:t>
+            </a:r>
+            <a:r>
+              <a:rPr lang="en-US" altLang="ko-KR" b="0" dirty="0">
+                <a:effectLst/>
+                <a:latin typeface="Consolas" panose="020B0609020204030204" pitchFamily="49" charset="0"/>
+              </a:rPr>
+              <a:t> + </a:t>
+            </a:r>
+            <a:r>
+              <a:rPr lang="en-US" altLang="ko-KR" b="0" dirty="0" err="1">
+                <a:effectLst/>
+                <a:latin typeface="Consolas" panose="020B0609020204030204" pitchFamily="49" charset="0"/>
+              </a:rPr>
+              <a:t>8'h20</a:t>
+            </a:r>
+            <a:r>
+              <a:rPr lang="en-US" altLang="ko-KR" b="0" dirty="0">
+                <a:effectLst/>
+                <a:latin typeface="Consolas" panose="020B0609020204030204" pitchFamily="49" charset="0"/>
+              </a:rPr>
+              <a:t>,</a:t>
+            </a:r>
+          </a:p>
+          <a:p>
+            <a:r>
+              <a:rPr lang="en-US" altLang="ko-KR" b="0" dirty="0">
+                <a:effectLst/>
+                <a:latin typeface="Consolas" panose="020B0609020204030204" pitchFamily="49" charset="0"/>
+              </a:rPr>
+              <a:t>              </a:t>
+            </a:r>
+            <a:r>
+              <a:rPr lang="en-US" altLang="ko-KR" b="0" dirty="0" err="1">
+                <a:effectLst/>
+                <a:latin typeface="Consolas" panose="020B0609020204030204" pitchFamily="49" charset="0"/>
+              </a:rPr>
+              <a:t>CSRA_CONTROL</a:t>
+            </a:r>
+            <a:r>
+              <a:rPr lang="en-US" altLang="ko-KR" b="0" dirty="0">
+                <a:effectLst/>
+                <a:latin typeface="Consolas" panose="020B0609020204030204" pitchFamily="49" charset="0"/>
+              </a:rPr>
+              <a:t> = </a:t>
+            </a:r>
+            <a:r>
+              <a:rPr lang="en-US" altLang="ko-KR" b="0" dirty="0" err="1">
+                <a:effectLst/>
+                <a:latin typeface="Consolas" panose="020B0609020204030204" pitchFamily="49" charset="0"/>
+              </a:rPr>
+              <a:t>32'hA000_0000</a:t>
+            </a:r>
+            <a:r>
+              <a:rPr lang="en-US" altLang="ko-KR" b="0" dirty="0">
+                <a:effectLst/>
+                <a:latin typeface="Consolas" panose="020B0609020204030204" pitchFamily="49" charset="0"/>
+              </a:rPr>
+              <a:t> + </a:t>
+            </a:r>
+            <a:r>
+              <a:rPr lang="en-US" altLang="ko-KR" b="0" dirty="0" err="1">
+                <a:effectLst/>
+                <a:latin typeface="Consolas" panose="020B0609020204030204" pitchFamily="49" charset="0"/>
+              </a:rPr>
+              <a:t>8'h30</a:t>
+            </a:r>
+            <a:r>
+              <a:rPr lang="en-US" altLang="ko-KR" b="0" dirty="0">
+                <a:effectLst/>
+                <a:latin typeface="Consolas" panose="020B0609020204030204" pitchFamily="49" charset="0"/>
+              </a:rPr>
+              <a:t>,</a:t>
+            </a:r>
+          </a:p>
+          <a:p>
+            <a:r>
+              <a:rPr lang="en-US" altLang="ko-KR" b="0" dirty="0">
+                <a:effectLst/>
+                <a:latin typeface="Consolas" panose="020B0609020204030204" pitchFamily="49" charset="0"/>
+              </a:rPr>
+              <a:t>              </a:t>
+            </a:r>
+            <a:r>
+              <a:rPr lang="en-US" altLang="ko-KR" b="0" dirty="0" err="1">
+                <a:effectLst/>
+                <a:highlight>
+                  <a:srgbClr val="FFFF00"/>
+                </a:highlight>
+                <a:latin typeface="Consolas" panose="020B0609020204030204" pitchFamily="49" charset="0"/>
+              </a:rPr>
+              <a:t>CSRA_NUM</a:t>
+            </a:r>
+            <a:r>
+              <a:rPr lang="en-US" altLang="ko-KR" b="0" dirty="0">
+                <a:effectLst/>
+                <a:highlight>
+                  <a:srgbClr val="FFFF00"/>
+                </a:highlight>
+                <a:latin typeface="Consolas" panose="020B0609020204030204" pitchFamily="49" charset="0"/>
+              </a:rPr>
+              <a:t>     </a:t>
+            </a:r>
+            <a:r>
+              <a:rPr lang="en-US" altLang="ko-KR" b="0" dirty="0">
+                <a:effectLst/>
+                <a:latin typeface="Consolas" panose="020B0609020204030204" pitchFamily="49" charset="0"/>
+              </a:rPr>
+              <a:t>= </a:t>
+            </a:r>
+            <a:r>
+              <a:rPr lang="en-US" altLang="ko-KR" b="0" dirty="0" err="1">
+                <a:effectLst/>
+                <a:latin typeface="Consolas" panose="020B0609020204030204" pitchFamily="49" charset="0"/>
+              </a:rPr>
+              <a:t>32'hA000_0000</a:t>
+            </a:r>
+            <a:r>
+              <a:rPr lang="en-US" altLang="ko-KR" b="0" dirty="0">
+                <a:effectLst/>
+                <a:latin typeface="Consolas" panose="020B0609020204030204" pitchFamily="49" charset="0"/>
+              </a:rPr>
+              <a:t> + </a:t>
+            </a:r>
+            <a:r>
+              <a:rPr lang="en-US" altLang="ko-KR" b="0" dirty="0" err="1">
+                <a:effectLst/>
+                <a:latin typeface="Consolas" panose="020B0609020204030204" pitchFamily="49" charset="0"/>
+              </a:rPr>
+              <a:t>8'h40</a:t>
+            </a:r>
+            <a:r>
+              <a:rPr lang="en-US" altLang="ko-KR" b="0" dirty="0">
+                <a:effectLst/>
+                <a:latin typeface="Consolas" panose="020B0609020204030204" pitchFamily="49" charset="0"/>
+              </a:rPr>
+              <a:t>, // num register</a:t>
+            </a:r>
+          </a:p>
+          <a:p>
+            <a:r>
+              <a:rPr lang="en-US" altLang="ko-KR" b="0" dirty="0">
+                <a:effectLst/>
+                <a:latin typeface="Consolas" panose="020B0609020204030204" pitchFamily="49" charset="0"/>
+              </a:rPr>
+              <a:t>              </a:t>
+            </a:r>
+            <a:r>
+              <a:rPr lang="en-US" altLang="ko-KR" b="0" dirty="0" err="1">
+                <a:effectLst/>
+                <a:latin typeface="Consolas" panose="020B0609020204030204" pitchFamily="49" charset="0"/>
+              </a:rPr>
+              <a:t>CSRA_SOURCE</a:t>
+            </a:r>
+            <a:r>
+              <a:rPr lang="en-US" altLang="ko-KR" b="0" dirty="0">
+                <a:effectLst/>
+                <a:latin typeface="Consolas" panose="020B0609020204030204" pitchFamily="49" charset="0"/>
+              </a:rPr>
+              <a:t>  = </a:t>
+            </a:r>
+            <a:r>
+              <a:rPr lang="en-US" altLang="ko-KR" b="0" dirty="0" err="1">
+                <a:effectLst/>
+                <a:latin typeface="Consolas" panose="020B0609020204030204" pitchFamily="49" charset="0"/>
+              </a:rPr>
+              <a:t>32'hA000_0000</a:t>
+            </a:r>
+            <a:r>
+              <a:rPr lang="en-US" altLang="ko-KR" b="0" dirty="0">
+                <a:effectLst/>
+                <a:latin typeface="Consolas" panose="020B0609020204030204" pitchFamily="49" charset="0"/>
+              </a:rPr>
+              <a:t> + </a:t>
+            </a:r>
+            <a:r>
+              <a:rPr lang="en-US" altLang="ko-KR" b="0" dirty="0" err="1">
+                <a:effectLst/>
+                <a:latin typeface="Consolas" panose="020B0609020204030204" pitchFamily="49" charset="0"/>
+              </a:rPr>
+              <a:t>8'h44</a:t>
+            </a:r>
+            <a:r>
+              <a:rPr lang="en-US" altLang="ko-KR" b="0" dirty="0">
+                <a:effectLst/>
+                <a:latin typeface="Consolas" panose="020B0609020204030204" pitchFamily="49" charset="0"/>
+              </a:rPr>
+              <a:t>,</a:t>
+            </a:r>
+          </a:p>
+          <a:p>
+            <a:r>
+              <a:rPr lang="en-US" altLang="ko-KR" b="0" dirty="0">
+                <a:effectLst/>
+                <a:latin typeface="Consolas" panose="020B0609020204030204" pitchFamily="49" charset="0"/>
+              </a:rPr>
+              <a:t>              </a:t>
+            </a:r>
+            <a:r>
+              <a:rPr lang="en-US" altLang="ko-KR" b="0" dirty="0" err="1">
+                <a:effectLst/>
+                <a:latin typeface="Consolas" panose="020B0609020204030204" pitchFamily="49" charset="0"/>
+              </a:rPr>
+              <a:t>CSRA_DEST</a:t>
+            </a:r>
+            <a:r>
+              <a:rPr lang="en-US" altLang="ko-KR" b="0" dirty="0">
+                <a:effectLst/>
+                <a:latin typeface="Consolas" panose="020B0609020204030204" pitchFamily="49" charset="0"/>
+              </a:rPr>
+              <a:t>    = </a:t>
+            </a:r>
+            <a:r>
+              <a:rPr lang="en-US" altLang="ko-KR" b="0" dirty="0" err="1">
+                <a:effectLst/>
+                <a:latin typeface="Consolas" panose="020B0609020204030204" pitchFamily="49" charset="0"/>
+              </a:rPr>
+              <a:t>32'hA000_0000</a:t>
+            </a:r>
+            <a:r>
+              <a:rPr lang="en-US" altLang="ko-KR" b="0" dirty="0">
+                <a:effectLst/>
+                <a:latin typeface="Consolas" panose="020B0609020204030204" pitchFamily="49" charset="0"/>
+              </a:rPr>
+              <a:t> + </a:t>
+            </a:r>
+            <a:r>
+              <a:rPr lang="en-US" altLang="ko-KR" b="0" dirty="0" err="1">
+                <a:effectLst/>
+                <a:latin typeface="Consolas" panose="020B0609020204030204" pitchFamily="49" charset="0"/>
+              </a:rPr>
+              <a:t>8'h48</a:t>
+            </a:r>
+            <a:r>
+              <a:rPr lang="en-US" altLang="ko-KR" b="0" dirty="0">
+                <a:effectLst/>
+                <a:latin typeface="Consolas" panose="020B0609020204030204" pitchFamily="49" charset="0"/>
+              </a:rPr>
+              <a:t>;</a:t>
+            </a:r>
+          </a:p>
+        </p:txBody>
+      </p:sp>
+    </p:spTree>
+    <p:extLst>
+      <p:ext uri="{BB962C8B-B14F-4D97-AF65-F5344CB8AC3E}">
+        <p14:creationId xmlns:p14="http://schemas.microsoft.com/office/powerpoint/2010/main" val="2040363322"/>
+      </p:ext>
+    </p:extLst>
+  </p:cSld>
+  <p:clrMapOvr>
+    <a:masterClrMapping/>
+  </p:clrMapOvr>
+</p:sld>
+</file>
+
+<file path=ppt/slides/slide4.xml><?xml version="1.0" encoding="utf-8"?>
+<p:sld xmlns:a="http://schemas.openxmlformats.org/drawingml/2006/main" xmlns:r="http://schemas.openxmlformats.org/officeDocument/2006/relationships" xmlns:p="http://schemas.openxmlformats.org/presentationml/2006/main">
+  <p:cSld>
+    <p:spTree>
+      <p:nvGrpSpPr>
+        <p:cNvPr id="1" name=""/>
+        <p:cNvGrpSpPr/>
+        <p:nvPr/>
+      </p:nvGrpSpPr>
+      <p:grpSpPr>
+        <a:xfrm>
+          <a:off x="0" y="0"/>
+          <a:ext cx="0" cy="0"/>
+          <a:chOff x="0" y="0"/>
+          <a:chExt cx="0" cy="0"/>
+        </a:xfrm>
+      </p:grpSpPr>
+      <p:sp>
+        <p:nvSpPr>
           <p:cNvPr id="2" name="TextBox 1">
             <a:extLst>
               <a:ext uri="{FF2B5EF4-FFF2-40B4-BE49-F238E27FC236}">
@@ -8172,415 +9806,6 @@
     <p:extLst>
       <p:ext uri="{BB962C8B-B14F-4D97-AF65-F5344CB8AC3E}">
         <p14:creationId xmlns:p14="http://schemas.microsoft.com/office/powerpoint/2010/main" val="2889195158"/>
-      </p:ext>
-    </p:extLst>
-  </p:cSld>
-  <p:clrMapOvr>
-    <a:masterClrMapping/>
-  </p:clrMapOvr>
-</p:sld>
-</file>
-
-<file path=ppt/slides/slide3.xml><?xml version="1.0" encoding="utf-8"?>
-<p:sld xmlns:a="http://schemas.openxmlformats.org/drawingml/2006/main" xmlns:r="http://schemas.openxmlformats.org/officeDocument/2006/relationships" xmlns:p="http://schemas.openxmlformats.org/presentationml/2006/main">
-  <p:cSld>
-    <p:bg>
-      <p:bgPr>
-        <a:solidFill>
-          <a:schemeClr val="bg1"/>
-        </a:solidFill>
-        <a:effectLst/>
-      </p:bgPr>
-    </p:bg>
-    <p:spTree>
-      <p:nvGrpSpPr>
-        <p:cNvPr id="1" name=""/>
-        <p:cNvGrpSpPr/>
-        <p:nvPr/>
-      </p:nvGrpSpPr>
-      <p:grpSpPr>
-        <a:xfrm>
-          <a:off x="0" y="0"/>
-          <a:ext cx="0" cy="0"/>
-          <a:chOff x="0" y="0"/>
-          <a:chExt cx="0" cy="0"/>
-        </a:xfrm>
-      </p:grpSpPr>
-      <p:sp>
-        <p:nvSpPr>
-          <p:cNvPr id="9" name="Freeform 6">
-            <a:extLst>
-              <a:ext uri="{FF2B5EF4-FFF2-40B4-BE49-F238E27FC236}">
-                <a16:creationId xmlns:a16="http://schemas.microsoft.com/office/drawing/2014/main" id="{69D184B2-2226-4E31-BCCB-444330767440}"/>
-              </a:ext>
-              <a:ext uri="{C183D7F6-B498-43B3-948B-1728B52AA6E4}">
-                <adec:decorative xmlns:adec="http://schemas.microsoft.com/office/drawing/2017/decorative" val="1"/>
-              </a:ext>
-            </a:extLst>
-          </p:cNvPr>
-          <p:cNvSpPr>
-            <a:spLocks noGrp="1" noRot="1" noChangeAspect="1" noMove="1" noResize="1" noEditPoints="1" noAdjustHandles="1" noChangeArrowheads="1" noChangeShapeType="1" noTextEdit="1"/>
-          </p:cNvSpPr>
-          <p:nvPr>
-            <p:extLst>
-              <p:ext uri="{386F3935-93C4-4BCD-93E2-E3B085C9AB24}">
-                <p16:designElem xmlns:p16="http://schemas.microsoft.com/office/powerpoint/2015/main" val="1"/>
-              </p:ext>
-            </p:extLst>
-          </p:nvPr>
-        </p:nvSpPr>
-        <p:spPr bwMode="auto">
-          <a:xfrm>
-            <a:off x="11118533" y="918266"/>
-            <a:ext cx="706127" cy="5863534"/>
-          </a:xfrm>
-          <a:custGeom>
-            <a:avLst/>
-            <a:gdLst>
-              <a:gd name="T0" fmla="*/ 414 w 414"/>
-              <a:gd name="T1" fmla="*/ 2447 h 2447"/>
-              <a:gd name="T2" fmla="*/ 0 w 414"/>
-              <a:gd name="T3" fmla="*/ 2247 h 2447"/>
-              <a:gd name="T4" fmla="*/ 0 w 414"/>
-              <a:gd name="T5" fmla="*/ 0 h 2447"/>
-              <a:gd name="T6" fmla="*/ 414 w 414"/>
-              <a:gd name="T7" fmla="*/ 200 h 2447"/>
-              <a:gd name="T8" fmla="*/ 414 w 414"/>
-              <a:gd name="T9" fmla="*/ 2447 h 2447"/>
-            </a:gdLst>
-            <a:ahLst/>
-            <a:cxnLst>
-              <a:cxn ang="0">
-                <a:pos x="T0" y="T1"/>
-              </a:cxn>
-              <a:cxn ang="0">
-                <a:pos x="T2" y="T3"/>
-              </a:cxn>
-              <a:cxn ang="0">
-                <a:pos x="T4" y="T5"/>
-              </a:cxn>
-              <a:cxn ang="0">
-                <a:pos x="T6" y="T7"/>
-              </a:cxn>
-              <a:cxn ang="0">
-                <a:pos x="T8" y="T9"/>
-              </a:cxn>
-            </a:cxnLst>
-            <a:rect l="0" t="0" r="r" b="b"/>
-            <a:pathLst>
-              <a:path w="414" h="2447">
-                <a:moveTo>
-                  <a:pt x="414" y="2447"/>
-                </a:moveTo>
-                <a:lnTo>
-                  <a:pt x="0" y="2247"/>
-                </a:lnTo>
-                <a:lnTo>
-                  <a:pt x="0" y="0"/>
-                </a:lnTo>
-                <a:lnTo>
-                  <a:pt x="414" y="200"/>
-                </a:lnTo>
-                <a:lnTo>
-                  <a:pt x="414" y="2447"/>
-                </a:lnTo>
-                <a:close/>
-              </a:path>
-            </a:pathLst>
-          </a:custGeom>
-          <a:solidFill>
-            <a:schemeClr val="accent1">
-              <a:lumMod val="75000"/>
-            </a:schemeClr>
-          </a:solidFill>
-          <a:ln>
-            <a:noFill/>
-          </a:ln>
-        </p:spPr>
-        <p:txBody>
-          <a:bodyPr vert="horz" wrap="square" lIns="91440" tIns="45720" rIns="91440" bIns="45720" numCol="1" anchor="t" anchorCtr="0" compatLnSpc="1">
-            <a:prstTxWarp prst="textNoShape">
-              <a:avLst/>
-            </a:prstTxWarp>
-          </a:bodyPr>
-          <a:lstStyle/>
-          <a:p>
-            <a:endParaRPr lang="en-US"/>
-          </a:p>
-        </p:txBody>
-      </p:sp>
-      <p:sp>
-        <p:nvSpPr>
-          <p:cNvPr id="11" name="Freeform 7">
-            <a:extLst>
-              <a:ext uri="{FF2B5EF4-FFF2-40B4-BE49-F238E27FC236}">
-                <a16:creationId xmlns:a16="http://schemas.microsoft.com/office/drawing/2014/main" id="{1AC4D4E3-486A-464A-8EC8-D44881097267}"/>
-              </a:ext>
-              <a:ext uri="{C183D7F6-B498-43B3-948B-1728B52AA6E4}">
-                <adec:decorative xmlns:adec="http://schemas.microsoft.com/office/drawing/2017/decorative" val="1"/>
-              </a:ext>
-            </a:extLst>
-          </p:cNvPr>
-          <p:cNvSpPr>
-            <a:spLocks noGrp="1" noRot="1" noChangeAspect="1" noMove="1" noResize="1" noEditPoints="1" noAdjustHandles="1" noChangeArrowheads="1" noChangeShapeType="1" noTextEdit="1"/>
-          </p:cNvSpPr>
-          <p:nvPr>
-            <p:extLst>
-              <p:ext uri="{386F3935-93C4-4BCD-93E2-E3B085C9AB24}">
-                <p16:designElem xmlns:p16="http://schemas.microsoft.com/office/powerpoint/2015/main" val="1"/>
-              </p:ext>
-            </p:extLst>
-          </p:nvPr>
-        </p:nvSpPr>
-        <p:spPr bwMode="auto">
-          <a:xfrm>
-            <a:off x="11117879" y="643467"/>
-            <a:ext cx="420307" cy="5668919"/>
-          </a:xfrm>
-          <a:custGeom>
-            <a:avLst/>
-            <a:gdLst>
-              <a:gd name="T0" fmla="*/ 209 w 209"/>
-              <a:gd name="T1" fmla="*/ 2246 h 2358"/>
-              <a:gd name="T2" fmla="*/ 0 w 209"/>
-              <a:gd name="T3" fmla="*/ 2358 h 2358"/>
-              <a:gd name="T4" fmla="*/ 0 w 209"/>
-              <a:gd name="T5" fmla="*/ 111 h 2358"/>
-              <a:gd name="T6" fmla="*/ 209 w 209"/>
-              <a:gd name="T7" fmla="*/ 0 h 2358"/>
-              <a:gd name="T8" fmla="*/ 209 w 209"/>
-              <a:gd name="T9" fmla="*/ 2246 h 2358"/>
-            </a:gdLst>
-            <a:ahLst/>
-            <a:cxnLst>
-              <a:cxn ang="0">
-                <a:pos x="T0" y="T1"/>
-              </a:cxn>
-              <a:cxn ang="0">
-                <a:pos x="T2" y="T3"/>
-              </a:cxn>
-              <a:cxn ang="0">
-                <a:pos x="T4" y="T5"/>
-              </a:cxn>
-              <a:cxn ang="0">
-                <a:pos x="T6" y="T7"/>
-              </a:cxn>
-              <a:cxn ang="0">
-                <a:pos x="T8" y="T9"/>
-              </a:cxn>
-            </a:cxnLst>
-            <a:rect l="0" t="0" r="r" b="b"/>
-            <a:pathLst>
-              <a:path w="209" h="2358">
-                <a:moveTo>
-                  <a:pt x="209" y="2246"/>
-                </a:moveTo>
-                <a:lnTo>
-                  <a:pt x="0" y="2358"/>
-                </a:lnTo>
-                <a:lnTo>
-                  <a:pt x="0" y="111"/>
-                </a:lnTo>
-                <a:lnTo>
-                  <a:pt x="209" y="0"/>
-                </a:lnTo>
-                <a:lnTo>
-                  <a:pt x="209" y="2246"/>
-                </a:lnTo>
-                <a:close/>
-              </a:path>
-            </a:pathLst>
-          </a:custGeom>
-          <a:solidFill>
-            <a:schemeClr val="accent1">
-              <a:lumMod val="50000"/>
-            </a:schemeClr>
-          </a:solidFill>
-          <a:ln>
-            <a:noFill/>
-          </a:ln>
-        </p:spPr>
-        <p:txBody>
-          <a:bodyPr vert="horz" wrap="square" lIns="91440" tIns="45720" rIns="91440" bIns="45720" numCol="1" anchor="t" anchorCtr="0" compatLnSpc="1">
-            <a:prstTxWarp prst="textNoShape">
-              <a:avLst/>
-            </a:prstTxWarp>
-          </a:bodyPr>
-          <a:lstStyle/>
-          <a:p>
-            <a:endParaRPr lang="en-US"/>
-          </a:p>
-        </p:txBody>
-      </p:sp>
-      <p:sp>
-        <p:nvSpPr>
-          <p:cNvPr id="13" name="Rectangle 12">
-            <a:extLst>
-              <a:ext uri="{FF2B5EF4-FFF2-40B4-BE49-F238E27FC236}">
-                <a16:creationId xmlns:a16="http://schemas.microsoft.com/office/drawing/2014/main" id="{864DE13E-58EB-4475-B79C-0D4FC651239B}"/>
-              </a:ext>
-              <a:ext uri="{C183D7F6-B498-43B3-948B-1728B52AA6E4}">
-                <adec:decorative xmlns:adec="http://schemas.microsoft.com/office/drawing/2017/decorative" val="1"/>
-              </a:ext>
-            </a:extLst>
-          </p:cNvPr>
-          <p:cNvSpPr>
-            <a:spLocks noGrp="1" noRot="1" noChangeAspect="1" noMove="1" noResize="1" noEditPoints="1" noAdjustHandles="1" noChangeArrowheads="1" noChangeShapeType="1" noTextEdit="1"/>
-          </p:cNvSpPr>
-          <p:nvPr>
-            <p:extLst>
-              <p:ext uri="{386F3935-93C4-4BCD-93E2-E3B085C9AB24}">
-                <p16:designElem xmlns:p16="http://schemas.microsoft.com/office/powerpoint/2015/main" val="1"/>
-              </p:ext>
-            </p:extLst>
-          </p:nvPr>
-        </p:nvSpPr>
-        <p:spPr bwMode="auto">
-          <a:xfrm>
-            <a:off x="638387" y="643467"/>
-            <a:ext cx="10933503" cy="5391944"/>
-          </a:xfrm>
-          <a:prstGeom prst="rect">
-            <a:avLst/>
-          </a:prstGeom>
-          <a:solidFill>
-            <a:srgbClr val="FFFFFF"/>
-          </a:solidFill>
-          <a:ln w="12700">
-            <a:solidFill>
-              <a:schemeClr val="accent1"/>
-            </a:solidFill>
-            <a:miter lim="800000"/>
-          </a:ln>
-        </p:spPr>
-        <p:txBody>
-          <a:bodyPr vert="horz" wrap="square" lIns="91440" tIns="45720" rIns="91440" bIns="45720" numCol="1" anchor="t" anchorCtr="0" compatLnSpc="1">
-            <a:prstTxWarp prst="textNoShape">
-              <a:avLst/>
-            </a:prstTxWarp>
-          </a:bodyPr>
-          <a:lstStyle/>
-          <a:p>
-            <a:endParaRPr lang="en-US"/>
-          </a:p>
-        </p:txBody>
-      </p:sp>
-      <p:pic>
-        <p:nvPicPr>
-          <p:cNvPr id="4" name="그림 3" descr="텍스트이(가) 표시된 사진&#10;&#10;자동 생성된 설명">
-            <a:extLst>
-              <a:ext uri="{FF2B5EF4-FFF2-40B4-BE49-F238E27FC236}">
-                <a16:creationId xmlns:a16="http://schemas.microsoft.com/office/drawing/2014/main" id="{8C55FE09-9B69-7231-1AB3-2C1CD54B6077}"/>
-              </a:ext>
-            </a:extLst>
-          </p:cNvPr>
-          <p:cNvPicPr>
-            <a:picLocks noChangeAspect="1"/>
-          </p:cNvPicPr>
-          <p:nvPr/>
-        </p:nvPicPr>
-        <p:blipFill>
-          <a:blip r:embed="rId2"/>
-          <a:stretch>
-            <a:fillRect/>
-          </a:stretch>
-        </p:blipFill>
-        <p:spPr>
-          <a:xfrm>
-            <a:off x="1140934" y="2080412"/>
-            <a:ext cx="4616434" cy="2518054"/>
-          </a:xfrm>
-          <a:prstGeom prst="rect">
-            <a:avLst/>
-          </a:prstGeom>
-        </p:spPr>
-      </p:pic>
-      <p:cxnSp>
-        <p:nvCxnSpPr>
-          <p:cNvPr id="15" name="Straight Connector 14">
-            <a:extLst>
-              <a:ext uri="{FF2B5EF4-FFF2-40B4-BE49-F238E27FC236}">
-                <a16:creationId xmlns:a16="http://schemas.microsoft.com/office/drawing/2014/main" id="{02E9B2EE-76CA-47F3-9977-3F2FCB7FD252}"/>
-              </a:ext>
-              <a:ext uri="{C183D7F6-B498-43B3-948B-1728B52AA6E4}">
-                <adec:decorative xmlns:adec="http://schemas.microsoft.com/office/drawing/2017/decorative" val="1"/>
-              </a:ext>
-            </a:extLst>
-          </p:cNvPr>
-          <p:cNvCxnSpPr>
-            <a:cxnSpLocks noGrp="1" noRot="1" noChangeAspect="1" noMove="1" noResize="1" noEditPoints="1" noAdjustHandles="1" noChangeArrowheads="1" noChangeShapeType="1"/>
-          </p:cNvCxnSpPr>
-          <p:nvPr>
-            <p:extLst>
-              <p:ext uri="{386F3935-93C4-4BCD-93E2-E3B085C9AB24}">
-                <p16:designElem xmlns:p16="http://schemas.microsoft.com/office/powerpoint/2015/main" val="1"/>
-              </p:ext>
-            </p:extLst>
-          </p:nvPr>
-        </p:nvCxnSpPr>
-        <p:spPr>
-          <a:xfrm>
-            <a:off x="6096000" y="1739239"/>
-            <a:ext cx="0" cy="3200400"/>
-          </a:xfrm>
-          <a:prstGeom prst="line">
-            <a:avLst/>
-          </a:prstGeom>
-          <a:ln w="12700">
-            <a:solidFill>
-              <a:schemeClr val="accent1"/>
-            </a:solidFill>
-          </a:ln>
-        </p:spPr>
-        <p:style>
-          <a:lnRef idx="1">
-            <a:schemeClr val="accent1"/>
-          </a:lnRef>
-          <a:fillRef idx="0">
-            <a:schemeClr val="accent1"/>
-          </a:fillRef>
-          <a:effectRef idx="0">
-            <a:schemeClr val="accent1"/>
-          </a:effectRef>
-          <a:fontRef idx="minor">
-            <a:schemeClr val="tx1"/>
-          </a:fontRef>
-        </p:style>
-      </p:cxnSp>
-      <p:pic>
-        <p:nvPicPr>
-          <p:cNvPr id="3" name="그림 2" descr="텍스트이(가) 표시된 사진&#10;&#10;자동 생성된 설명">
-            <a:extLst>
-              <a:ext uri="{FF2B5EF4-FFF2-40B4-BE49-F238E27FC236}">
-                <a16:creationId xmlns:a16="http://schemas.microsoft.com/office/drawing/2014/main" id="{C90B9B08-2A68-A857-5866-ED55D138E793}"/>
-              </a:ext>
-            </a:extLst>
-          </p:cNvPr>
-          <p:cNvPicPr>
-            <a:picLocks noChangeAspect="1"/>
-          </p:cNvPicPr>
-          <p:nvPr/>
-        </p:nvPicPr>
-        <p:blipFill>
-          <a:blip r:embed="rId3"/>
-          <a:stretch>
-            <a:fillRect/>
-          </a:stretch>
-        </p:blipFill>
-        <p:spPr>
-          <a:xfrm>
-            <a:off x="6434633" y="2107823"/>
-            <a:ext cx="4644528" cy="2463232"/>
-          </a:xfrm>
-          <a:prstGeom prst="rect">
-            <a:avLst/>
-          </a:prstGeom>
-        </p:spPr>
-      </p:pic>
-    </p:spTree>
-    <p:extLst>
-      <p:ext uri="{BB962C8B-B14F-4D97-AF65-F5344CB8AC3E}">
-        <p14:creationId xmlns:p14="http://schemas.microsoft.com/office/powerpoint/2010/main" val="2502983583"/>
       </p:ext>
     </p:extLst>
   </p:cSld>
